--- a/sleephours.pptx
+++ b/sleephours.pptx
@@ -5,7 +5,7 @@
     <p:sldMasterId id="2147483648" r:id="rId1"/>
   </p:sldMasterIdLst>
   <p:notesMasterIdLst>
-    <p:notesMasterId r:id="rId10"/>
+    <p:notesMasterId r:id="rId11"/>
   </p:notesMasterIdLst>
   <p:sldIdLst>
     <p:sldId id="256" r:id="rId2"/>
@@ -15,7 +15,8 @@
     <p:sldId id="259" r:id="rId6"/>
     <p:sldId id="261" r:id="rId7"/>
     <p:sldId id="262" r:id="rId8"/>
-    <p:sldId id="263" r:id="rId9"/>
+    <p:sldId id="264" r:id="rId9"/>
+    <p:sldId id="263" r:id="rId10"/>
   </p:sldIdLst>
   <p:sldSz cx="12192000" cy="6858000"/>
   <p:notesSz cx="6858000" cy="9144000"/>
@@ -317,6 +318,11 @@
       </a:defRPr>
     </a:lvl9pPr>
   </p:defaultTextStyle>
+  <p:extLst>
+    <p:ext uri="{EFAFB233-063F-42B5-8137-9DF3F51BA10A}">
+      <p15:sldGuideLst xmlns:p15="http://schemas.microsoft.com/office/powerpoint/2012/main"/>
+    </p:ext>
+  </p:extLst>
 </p:presentation>
 </file>
 
@@ -5379,7 +5385,7 @@
           </a:ln>
           <a:extLst>
             <a:ext uri="{C572A759-6A51-4108-AA02-DFA0A04FC94B}">
-              <ma14:wrappingTextBoxFlag xmlns:ma14="http://schemas.microsoft.com/office/mac/drawingml/2011/main" xmlns:a14="http://schemas.microsoft.com/office/drawing/2010/main" xmlns:m="http://schemas.openxmlformats.org/officeDocument/2006/math" xmlns="" val="1"/>
+              <ma14:wrappingTextBoxFlag xmlns="" xmlns:m="http://schemas.openxmlformats.org/officeDocument/2006/math" xmlns:a14="http://schemas.microsoft.com/office/drawing/2010/main" xmlns:ma14="http://schemas.microsoft.com/office/mac/drawingml/2011/main" val="1"/>
             </a:ext>
           </a:extLst>
         </p:spPr>
@@ -5418,7 +5424,7 @@
           </a:ln>
           <a:extLst>
             <a:ext uri="{C572A759-6A51-4108-AA02-DFA0A04FC94B}">
-              <ma14:wrappingTextBoxFlag xmlns:ma14="http://schemas.microsoft.com/office/mac/drawingml/2011/main" xmlns:a14="http://schemas.microsoft.com/office/drawing/2010/main" xmlns:m="http://schemas.openxmlformats.org/officeDocument/2006/math" xmlns="" val="1"/>
+              <ma14:wrappingTextBoxFlag xmlns="" xmlns:m="http://schemas.openxmlformats.org/officeDocument/2006/math" xmlns:a14="http://schemas.microsoft.com/office/drawing/2010/main" xmlns:ma14="http://schemas.microsoft.com/office/mac/drawingml/2011/main" val="1"/>
             </a:ext>
           </a:extLst>
         </p:spPr>
@@ -6341,13 +6347,6 @@
               <a:rPr dirty="0"/>
               <a:t>- Dependency on Melatonin </a:t>
             </a:r>
-            <a:endParaRPr lang="en-US" dirty="0"/>
-          </a:p>
-          <a:p>
-            <a:r>
-              <a:rPr dirty="0"/>
-              <a:t>- Other influencing factors</a:t>
-            </a:r>
           </a:p>
           <a:p>
             <a:r>
@@ -6420,11 +6419,23 @@
           <a:p>
             <a:r>
               <a:rPr dirty="0"/>
-              <a:t>- Utilizing Apple Health for tracking sleep hours</a:t>
+              <a:t>- Utilizing </a:t>
+            </a:r>
+            <a:r>
+              <a:rPr dirty="0">
+                <a:solidFill>
+                  <a:srgbClr val="FF0000"/>
+                </a:solidFill>
+              </a:rPr>
+              <a:t>Apple Health </a:t>
+            </a:r>
+            <a:r>
+              <a:rPr dirty="0"/>
+              <a:t>for tracking sleep hours</a:t>
             </a:r>
             <a:r>
               <a:rPr lang="en-US" dirty="0"/>
-              <a:t> (14 sample)</a:t>
+              <a:t> (14 sample) (Nov.12-Nov.25)</a:t>
             </a:r>
             <a:endParaRPr dirty="0"/>
           </a:p>
@@ -6433,6 +6444,26 @@
               <a:rPr dirty="0"/>
               <a:t>- Incorporating regular melatonin supplementation</a:t>
             </a:r>
+            <a:endParaRPr lang="en-US" dirty="0"/>
+          </a:p>
+          <a:p>
+            <a:r>
+              <a:rPr lang="en-US" dirty="0"/>
+              <a:t>(</a:t>
+            </a:r>
+            <a:r>
+              <a:rPr lang="en-US" dirty="0">
+                <a:solidFill>
+                  <a:srgbClr val="FF0000"/>
+                </a:solidFill>
+              </a:rPr>
+              <a:t>Brand: Nature Made 10mg</a:t>
+            </a:r>
+            <a:r>
+              <a:rPr lang="en-US" dirty="0"/>
+              <a:t>)</a:t>
+            </a:r>
+            <a:endParaRPr dirty="0"/>
           </a:p>
           <a:p>
             <a:r>
@@ -6623,8 +6654,8 @@
         </p:blipFill>
         <p:spPr bwMode="auto">
           <a:xfrm>
-            <a:off x="6261100" y="-1"/>
-            <a:ext cx="3081974" cy="2634344"/>
+            <a:off x="6493891" y="365759"/>
+            <a:ext cx="2333605" cy="1994669"/>
           </a:xfrm>
           <a:prstGeom prst="rect">
             <a:avLst/>
@@ -6639,6 +6670,42 @@
               </a14:hiddenFill>
             </a:ext>
           </a:extLst>
+        </p:spPr>
+      </p:pic>
+      <p:pic>
+        <p:nvPicPr>
+          <p:cNvPr id="6" name="Picture 5" descr="A bottle of melatonin&#10;&#10;Description automatically generated">
+            <a:extLst>
+              <a:ext uri="{FF2B5EF4-FFF2-40B4-BE49-F238E27FC236}">
+                <a16:creationId xmlns:a16="http://schemas.microsoft.com/office/drawing/2014/main" id="{48F56440-0B23-721F-258A-A09F7A964211}"/>
+              </a:ext>
+            </a:extLst>
+          </p:cNvPr>
+          <p:cNvPicPr>
+            <a:picLocks noChangeAspect="1"/>
+          </p:cNvPicPr>
+          <p:nvPr/>
+        </p:nvPicPr>
+        <p:blipFill>
+          <a:blip r:embed="rId5">
+            <a:extLst>
+              <a:ext uri="{28A0092B-C50C-407E-A947-70E740481C1C}">
+                <a14:useLocalDpi xmlns:a14="http://schemas.microsoft.com/office/drawing/2010/main" val="0"/>
+              </a:ext>
+            </a:extLst>
+          </a:blip>
+          <a:stretch>
+            <a:fillRect/>
+          </a:stretch>
+        </p:blipFill>
+        <p:spPr>
+          <a:xfrm>
+            <a:off x="3401568" y="3615070"/>
+            <a:ext cx="3167856" cy="3167856"/>
+          </a:xfrm>
+          <a:prstGeom prst="rect">
+            <a:avLst/>
+          </a:prstGeom>
         </p:spPr>
       </p:pic>
     </p:spTree>
@@ -6829,13 +6896,13 @@
           <a:lstStyle/>
           <a:p>
             <a:r>
-              <a:rPr lang="en-US" dirty="0"/>
+              <a:rPr lang="en-US" b="1" dirty="0"/>
               <a:t>T = -4.2178</a:t>
             </a:r>
           </a:p>
           <a:p>
             <a:r>
-              <a:rPr lang="en-US" dirty="0"/>
+              <a:rPr lang="en-US" b="1" dirty="0"/>
               <a:t>p-value = 0.003361</a:t>
             </a:r>
           </a:p>
@@ -6848,13 +6915,13 @@
           <a:p>
             <a:r>
               <a:rPr lang="en-US" dirty="0"/>
-              <a:t>sample estimates:</a:t>
+              <a:t>Sample estimates:</a:t>
             </a:r>
           </a:p>
           <a:p>
             <a:r>
               <a:rPr lang="en-US" dirty="0"/>
-              <a:t>mean in group no mean in group yes </a:t>
+              <a:t>Mean in group no mean in group yes </a:t>
             </a:r>
           </a:p>
           <a:p>
@@ -6959,8 +7026,8 @@
         </p:blipFill>
         <p:spPr>
           <a:xfrm>
-            <a:off x="5180012" y="2042224"/>
-            <a:ext cx="6172201" cy="3826764"/>
+            <a:off x="4986670" y="1743740"/>
+            <a:ext cx="6653627" cy="4125248"/>
           </a:xfrm>
           <a:prstGeom prst="rect">
             <a:avLst/>
@@ -7022,6 +7089,253 @@
 </file>
 
 <file path=ppt/slides/slide8.xml><?xml version="1.0" encoding="utf-8"?>
+<p:sld xmlns:a="http://schemas.openxmlformats.org/drawingml/2006/main" xmlns:r="http://schemas.openxmlformats.org/officeDocument/2006/relationships" xmlns:p="http://schemas.openxmlformats.org/presentationml/2006/main">
+  <p:cSld>
+    <p:spTree>
+      <p:nvGrpSpPr>
+        <p:cNvPr id="1" name=""/>
+        <p:cNvGrpSpPr/>
+        <p:nvPr/>
+      </p:nvGrpSpPr>
+      <p:grpSpPr>
+        <a:xfrm>
+          <a:off x="0" y="0"/>
+          <a:ext cx="0" cy="0"/>
+          <a:chOff x="0" y="0"/>
+          <a:chExt cx="0" cy="0"/>
+        </a:xfrm>
+      </p:grpSpPr>
+      <p:sp>
+        <p:nvSpPr>
+          <p:cNvPr id="2" name="Title 1">
+            <a:extLst>
+              <a:ext uri="{FF2B5EF4-FFF2-40B4-BE49-F238E27FC236}">
+                <a16:creationId xmlns:a16="http://schemas.microsoft.com/office/drawing/2014/main" id="{6BDBBFC0-80BB-5EB2-C2DF-144DB96F4B0B}"/>
+              </a:ext>
+            </a:extLst>
+          </p:cNvPr>
+          <p:cNvSpPr>
+            <a:spLocks noGrp="1"/>
+          </p:cNvSpPr>
+          <p:nvPr>
+            <p:ph type="title"/>
+          </p:nvPr>
+        </p:nvSpPr>
+        <p:spPr>
+          <a:xfrm>
+            <a:off x="839787" y="457200"/>
+            <a:ext cx="3932239" cy="1600200"/>
+          </a:xfrm>
+        </p:spPr>
+        <p:txBody>
+          <a:bodyPr anchor="b">
+            <a:normAutofit/>
+          </a:bodyPr>
+          <a:lstStyle/>
+          <a:p>
+            <a:r>
+              <a:rPr lang="en-US" dirty="0">
+                <a:solidFill>
+                  <a:srgbClr val="FF0000"/>
+                </a:solidFill>
+              </a:rPr>
+              <a:t>Caution: Side effect</a:t>
+            </a:r>
+          </a:p>
+        </p:txBody>
+      </p:sp>
+      <p:pic>
+        <p:nvPicPr>
+          <p:cNvPr id="2050" name="Picture 2" descr="Melatonin Dosage for Kids | Sleep Foundation">
+            <a:extLst>
+              <a:ext uri="{FF2B5EF4-FFF2-40B4-BE49-F238E27FC236}">
+                <a16:creationId xmlns:a16="http://schemas.microsoft.com/office/drawing/2014/main" id="{5F717756-44F8-527F-3D1B-3B602EC279D5}"/>
+              </a:ext>
+            </a:extLst>
+          </p:cNvPr>
+          <p:cNvPicPr>
+            <a:picLocks noGrp="1" noChangeAspect="1" noChangeArrowheads="1"/>
+          </p:cNvPicPr>
+          <p:nvPr>
+            <p:ph type="pic" sz="half" idx="21"/>
+          </p:nvPr>
+        </p:nvPicPr>
+        <p:blipFill rotWithShape="1">
+          <a:blip r:embed="rId2">
+            <a:extLst>
+              <a:ext uri="{28A0092B-C50C-407E-A947-70E740481C1C}">
+                <a14:useLocalDpi xmlns:a14="http://schemas.microsoft.com/office/drawing/2010/main" val="0"/>
+              </a:ext>
+            </a:extLst>
+          </a:blip>
+          <a:srcRect l="126" r="13123"/>
+          <a:stretch/>
+        </p:blipFill>
+        <p:spPr bwMode="auto">
+          <a:xfrm>
+            <a:off x="5183188" y="987425"/>
+            <a:ext cx="6169026" cy="4873625"/>
+          </a:xfrm>
+          <a:prstGeom prst="rect">
+            <a:avLst/>
+          </a:prstGeom>
+          <a:solidFill>
+            <a:srgbClr val="FFFFFF"/>
+          </a:solidFill>
+          <a:extLst>
+            <a:ext uri="{909E8E84-426E-40DD-AFC4-6F175D3DCCD1}">
+              <a14:hiddenFill xmlns:a14="http://schemas.microsoft.com/office/drawing/2010/main">
+                <a:solidFill>
+                  <a:srgbClr val="FFFFFF"/>
+                </a:solidFill>
+              </a14:hiddenFill>
+            </a:ext>
+          </a:extLst>
+        </p:spPr>
+      </p:pic>
+      <p:sp>
+        <p:nvSpPr>
+          <p:cNvPr id="4" name="Text Placeholder 3">
+            <a:extLst>
+              <a:ext uri="{FF2B5EF4-FFF2-40B4-BE49-F238E27FC236}">
+                <a16:creationId xmlns:a16="http://schemas.microsoft.com/office/drawing/2014/main" id="{F33A3D01-FA83-576B-6200-555D5FBE6D07}"/>
+              </a:ext>
+            </a:extLst>
+          </p:cNvPr>
+          <p:cNvSpPr>
+            <a:spLocks noGrp="1"/>
+          </p:cNvSpPr>
+          <p:nvPr>
+            <p:ph type="body" sz="quarter" idx="1"/>
+          </p:nvPr>
+        </p:nvSpPr>
+        <p:spPr>
+          <a:xfrm>
+            <a:off x="839787" y="2057400"/>
+            <a:ext cx="3932239" cy="3811588"/>
+          </a:xfrm>
+        </p:spPr>
+        <p:txBody>
+          <a:bodyPr>
+            <a:normAutofit fontScale="92500"/>
+          </a:bodyPr>
+          <a:lstStyle/>
+          <a:p>
+            <a:pPr>
+              <a:buFont typeface="Arial" panose="020B0604020202020204" pitchFamily="34" charset="0"/>
+              <a:buChar char="•"/>
+            </a:pPr>
+            <a:r>
+              <a:rPr lang="en-US" sz="2400" b="0" i="0" dirty="0">
+                <a:effectLst/>
+              </a:rPr>
+              <a:t>Feeling sleepy or tired in the daytime</a:t>
+            </a:r>
+          </a:p>
+          <a:p>
+            <a:pPr>
+              <a:buFont typeface="Arial" panose="020B0604020202020204" pitchFamily="34" charset="0"/>
+              <a:buChar char="•"/>
+            </a:pPr>
+            <a:r>
+              <a:rPr lang="en-US" sz="2400" b="0" i="0" dirty="0">
+                <a:effectLst/>
+              </a:rPr>
+              <a:t>Headache. </a:t>
+            </a:r>
+          </a:p>
+          <a:p>
+            <a:pPr>
+              <a:buFont typeface="Arial" panose="020B0604020202020204" pitchFamily="34" charset="0"/>
+              <a:buChar char="•"/>
+            </a:pPr>
+            <a:r>
+              <a:rPr lang="en-US" sz="2400" b="0" i="0" dirty="0">
+                <a:effectLst/>
+              </a:rPr>
+              <a:t>Stomachache.</a:t>
+            </a:r>
+          </a:p>
+          <a:p>
+            <a:pPr>
+              <a:buFont typeface="Arial" panose="020B0604020202020204" pitchFamily="34" charset="0"/>
+              <a:buChar char="•"/>
+            </a:pPr>
+            <a:r>
+              <a:rPr lang="en-US" sz="2400" b="0" i="0" dirty="0">
+                <a:effectLst/>
+              </a:rPr>
+              <a:t>Feeling sick (nausea) </a:t>
+            </a:r>
+          </a:p>
+          <a:p>
+            <a:pPr>
+              <a:buFont typeface="Arial" panose="020B0604020202020204" pitchFamily="34" charset="0"/>
+              <a:buChar char="•"/>
+            </a:pPr>
+            <a:r>
+              <a:rPr lang="en-US" sz="2400" b="0" i="0" dirty="0">
+                <a:effectLst/>
+              </a:rPr>
+              <a:t>Feeling dizzy.</a:t>
+            </a:r>
+          </a:p>
+          <a:p>
+            <a:pPr>
+              <a:buFont typeface="Arial" panose="020B0604020202020204" pitchFamily="34" charset="0"/>
+              <a:buChar char="•"/>
+            </a:pPr>
+            <a:r>
+              <a:rPr lang="en-US" sz="2400" b="0" i="0" dirty="0">
+                <a:effectLst/>
+              </a:rPr>
+              <a:t>Feeling irritable or restless.</a:t>
+            </a:r>
+          </a:p>
+          <a:p>
+            <a:pPr>
+              <a:buFont typeface="Arial" panose="020B0604020202020204" pitchFamily="34" charset="0"/>
+              <a:buChar char="•"/>
+            </a:pPr>
+            <a:r>
+              <a:rPr lang="en-US" sz="2400" b="0" i="0" dirty="0">
+                <a:effectLst/>
+              </a:rPr>
+              <a:t>Dry mouth.</a:t>
+            </a:r>
+          </a:p>
+          <a:p>
+            <a:pPr>
+              <a:buFont typeface="Arial" panose="020B0604020202020204" pitchFamily="34" charset="0"/>
+              <a:buChar char="•"/>
+            </a:pPr>
+            <a:r>
+              <a:rPr lang="en-US" sz="2400" b="0" i="0" dirty="0">
+                <a:effectLst/>
+              </a:rPr>
+              <a:t>Dry or itchy skin.</a:t>
+            </a:r>
+          </a:p>
+          <a:p>
+            <a:endParaRPr lang="en-US" dirty="0"/>
+          </a:p>
+        </p:txBody>
+      </p:sp>
+    </p:spTree>
+    <p:extLst>
+      <p:ext uri="{BB962C8B-B14F-4D97-AF65-F5344CB8AC3E}">
+        <p14:creationId xmlns:p14="http://schemas.microsoft.com/office/powerpoint/2010/main" val="3862725686"/>
+      </p:ext>
+    </p:extLst>
+  </p:cSld>
+  <p:clrMapOvr>
+    <a:masterClrMapping/>
+  </p:clrMapOvr>
+  <p:transition spd="med"/>
+</p:sld>
+</file>
+
+<file path=ppt/slides/slide9.xml><?xml version="1.0" encoding="utf-8"?>
 <p:sld xmlns:a="http://schemas.openxmlformats.org/drawingml/2006/main" xmlns:r="http://schemas.openxmlformats.org/officeDocument/2006/relationships" xmlns:p="http://schemas.openxmlformats.org/presentationml/2006/main">
   <p:cSld>
     <p:spTree>
